--- a/graph.pptx
+++ b/graph.pptx
@@ -3491,7 +3491,7 @@
         <p:spPr>
           <a:xfrm>
             <a:off x="10903140" y="3233473"/>
-            <a:ext cx="995439" cy="984501"/>
+            <a:ext cx="1288860" cy="984501"/>
           </a:xfrm>
           <a:prstGeom prst="ellipse">
             <a:avLst/>
@@ -3518,7 +3518,14 @@
             <a:pPr algn="ctr"/>
             <a:r>
               <a:rPr lang="en-US" altLang="zh-CN" sz="1400" dirty="0"/>
-              <a:t>GPA</a:t>
+              <a:t>Academic</a:t>
+            </a:r>
+          </a:p>
+          <a:p>
+            <a:pPr algn="ctr"/>
+            <a:r>
+              <a:rPr lang="en-US" altLang="zh-CN" sz="1400" dirty="0"/>
+              <a:t>(GPA)</a:t>
             </a:r>
             <a:endParaRPr lang="en-US" sz="1400" dirty="0"/>
           </a:p>
@@ -5022,8 +5029,8 @@
             <a:avLst/>
           </a:prstGeom>
           <a:ln>
-            <a:headEnd type="arrow"/>
-            <a:tailEnd type="none"/>
+            <a:headEnd type="none"/>
+            <a:tailEnd type="arrow"/>
           </a:ln>
         </p:spPr>
         <p:style>
@@ -5067,8 +5074,8 @@
             </a:avLst>
           </a:prstGeom>
           <a:ln>
-            <a:headEnd type="arrow"/>
-            <a:tailEnd type="none"/>
+            <a:headEnd type="none"/>
+            <a:tailEnd type="arrow"/>
           </a:ln>
         </p:spPr>
         <p:style>
@@ -5114,8 +5121,8 @@
             </a:avLst>
           </a:prstGeom>
           <a:ln>
-            <a:headEnd type="arrow"/>
-            <a:tailEnd type="none"/>
+            <a:headEnd type="none"/>
+            <a:tailEnd type="arrow"/>
           </a:ln>
         </p:spPr>
         <p:style>
@@ -5143,21 +5150,22 @@
             </a:extLst>
           </p:cNvPr>
           <p:cNvCxnSpPr>
+            <a:cxnSpLocks/>
             <a:endCxn id="7" idx="2"/>
           </p:cNvCxnSpPr>
           <p:nvPr/>
         </p:nvCxnSpPr>
         <p:spPr>
           <a:xfrm rot="16200000" flipH="1">
-            <a:off x="8937386" y="1759969"/>
-            <a:ext cx="2302501" cy="1629008"/>
+            <a:off x="8937385" y="1759969"/>
+            <a:ext cx="2302502" cy="1629008"/>
           </a:xfrm>
           <a:prstGeom prst="curvedConnector2">
             <a:avLst/>
           </a:prstGeom>
           <a:ln>
-            <a:headEnd type="arrow"/>
-            <a:tailEnd type="none"/>
+            <a:headEnd type="none"/>
+            <a:tailEnd type="arrow"/>
           </a:ln>
         </p:spPr>
         <p:style>
@@ -5198,8 +5206,8 @@
             <a:avLst/>
           </a:prstGeom>
           <a:ln>
-            <a:headEnd type="arrow"/>
-            <a:tailEnd type="none"/>
+            <a:headEnd type="none"/>
+            <a:tailEnd type="arrow"/>
           </a:ln>
         </p:spPr>
         <p:style>
@@ -5227,6 +5235,7 @@
             </a:extLst>
           </p:cNvPr>
           <p:cNvCxnSpPr>
+            <a:cxnSpLocks/>
             <a:stCxn id="5" idx="6"/>
             <a:endCxn id="7" idx="2"/>
           </p:cNvCxnSpPr>
@@ -5241,8 +5250,8 @@
             <a:avLst/>
           </a:prstGeom>
           <a:ln>
-            <a:headEnd type="arrow"/>
-            <a:tailEnd type="none"/>
+            <a:headEnd type="none"/>
+            <a:tailEnd type="arrow"/>
           </a:ln>
         </p:spPr>
         <p:style>
@@ -5270,6 +5279,7 @@
             </a:extLst>
           </p:cNvPr>
           <p:cNvCxnSpPr>
+            <a:cxnSpLocks/>
             <a:stCxn id="21" idx="2"/>
             <a:endCxn id="7" idx="0"/>
           </p:cNvCxnSpPr>
@@ -5278,14 +5288,14 @@
         <p:spPr>
           <a:xfrm>
             <a:off x="10616711" y="2630452"/>
-            <a:ext cx="784149" cy="603021"/>
+            <a:ext cx="930859" cy="603021"/>
           </a:xfrm>
           <a:prstGeom prst="straightConnector1">
             <a:avLst/>
           </a:prstGeom>
           <a:ln>
-            <a:headEnd type="arrow"/>
-            <a:tailEnd type="none"/>
+            <a:headEnd type="none"/>
+            <a:tailEnd type="arrow"/>
           </a:ln>
         </p:spPr>
         <p:style>
@@ -5313,6 +5323,7 @@
             </a:extLst>
           </p:cNvPr>
           <p:cNvCxnSpPr>
+            <a:cxnSpLocks/>
             <a:stCxn id="20" idx="2"/>
             <a:endCxn id="7" idx="0"/>
           </p:cNvCxnSpPr>
@@ -5320,15 +5331,15 @@
         </p:nvCxnSpPr>
         <p:spPr>
           <a:xfrm flipH="1">
-            <a:off x="11400860" y="2611823"/>
-            <a:ext cx="202704" cy="621650"/>
+            <a:off x="11547570" y="2611823"/>
+            <a:ext cx="55994" cy="621650"/>
           </a:xfrm>
           <a:prstGeom prst="straightConnector1">
             <a:avLst/>
           </a:prstGeom>
           <a:ln>
-            <a:headEnd type="arrow"/>
-            <a:tailEnd type="none"/>
+            <a:headEnd type="none"/>
+            <a:tailEnd type="arrow"/>
           </a:ln>
         </p:spPr>
         <p:style>
